--- a/Slides/WebService.pptx
+++ b/Slides/WebService.pptx
@@ -104,6 +104,11 @@
       </a:defRPr>
     </a:lvl9pPr>
   </p:defaultTextStyle>
+  <p:extLst>
+    <p:ext uri="{EFAFB233-063F-42B5-8137-9DF3F51BA10A}">
+      <p15:sldGuideLst xmlns:p15="http://schemas.microsoft.com/office/powerpoint/2012/main"/>
+    </p:ext>
+  </p:extLst>
 </p:presentation>
 </file>
 
@@ -256,7 +261,7 @@
           <a:p>
             <a:fld id="{D625FE98-88AC-4DD8-8BEB-9EA8A013792A}" type="datetimeFigureOut">
               <a:rPr lang="vi-VN" smtClean="0"/>
-              <a:t>24/06/2021</a:t>
+              <a:t>25/06/2021</a:t>
             </a:fld>
             <a:endParaRPr lang="vi-VN"/>
           </a:p>
@@ -456,7 +461,7 @@
           <a:p>
             <a:fld id="{D625FE98-88AC-4DD8-8BEB-9EA8A013792A}" type="datetimeFigureOut">
               <a:rPr lang="vi-VN" smtClean="0"/>
-              <a:t>24/06/2021</a:t>
+              <a:t>25/06/2021</a:t>
             </a:fld>
             <a:endParaRPr lang="vi-VN"/>
           </a:p>
@@ -666,7 +671,7 @@
           <a:p>
             <a:fld id="{D625FE98-88AC-4DD8-8BEB-9EA8A013792A}" type="datetimeFigureOut">
               <a:rPr lang="vi-VN" smtClean="0"/>
-              <a:t>24/06/2021</a:t>
+              <a:t>25/06/2021</a:t>
             </a:fld>
             <a:endParaRPr lang="vi-VN"/>
           </a:p>
@@ -866,7 +871,7 @@
           <a:p>
             <a:fld id="{D625FE98-88AC-4DD8-8BEB-9EA8A013792A}" type="datetimeFigureOut">
               <a:rPr lang="vi-VN" smtClean="0"/>
-              <a:t>24/06/2021</a:t>
+              <a:t>25/06/2021</a:t>
             </a:fld>
             <a:endParaRPr lang="vi-VN"/>
           </a:p>
@@ -1142,7 +1147,7 @@
           <a:p>
             <a:fld id="{D625FE98-88AC-4DD8-8BEB-9EA8A013792A}" type="datetimeFigureOut">
               <a:rPr lang="vi-VN" smtClean="0"/>
-              <a:t>24/06/2021</a:t>
+              <a:t>25/06/2021</a:t>
             </a:fld>
             <a:endParaRPr lang="vi-VN"/>
           </a:p>
@@ -1410,7 +1415,7 @@
           <a:p>
             <a:fld id="{D625FE98-88AC-4DD8-8BEB-9EA8A013792A}" type="datetimeFigureOut">
               <a:rPr lang="vi-VN" smtClean="0"/>
-              <a:t>24/06/2021</a:t>
+              <a:t>25/06/2021</a:t>
             </a:fld>
             <a:endParaRPr lang="vi-VN"/>
           </a:p>
@@ -1825,7 +1830,7 @@
           <a:p>
             <a:fld id="{D625FE98-88AC-4DD8-8BEB-9EA8A013792A}" type="datetimeFigureOut">
               <a:rPr lang="vi-VN" smtClean="0"/>
-              <a:t>24/06/2021</a:t>
+              <a:t>25/06/2021</a:t>
             </a:fld>
             <a:endParaRPr lang="vi-VN"/>
           </a:p>
@@ -1967,7 +1972,7 @@
           <a:p>
             <a:fld id="{D625FE98-88AC-4DD8-8BEB-9EA8A013792A}" type="datetimeFigureOut">
               <a:rPr lang="vi-VN" smtClean="0"/>
-              <a:t>24/06/2021</a:t>
+              <a:t>25/06/2021</a:t>
             </a:fld>
             <a:endParaRPr lang="vi-VN"/>
           </a:p>
@@ -2080,7 +2085,7 @@
           <a:p>
             <a:fld id="{D625FE98-88AC-4DD8-8BEB-9EA8A013792A}" type="datetimeFigureOut">
               <a:rPr lang="vi-VN" smtClean="0"/>
-              <a:t>24/06/2021</a:t>
+              <a:t>25/06/2021</a:t>
             </a:fld>
             <a:endParaRPr lang="vi-VN"/>
           </a:p>
@@ -2393,7 +2398,7 @@
           <a:p>
             <a:fld id="{D625FE98-88AC-4DD8-8BEB-9EA8A013792A}" type="datetimeFigureOut">
               <a:rPr lang="vi-VN" smtClean="0"/>
-              <a:t>24/06/2021</a:t>
+              <a:t>25/06/2021</a:t>
             </a:fld>
             <a:endParaRPr lang="vi-VN"/>
           </a:p>
@@ -2682,7 +2687,7 @@
           <a:p>
             <a:fld id="{D625FE98-88AC-4DD8-8BEB-9EA8A013792A}" type="datetimeFigureOut">
               <a:rPr lang="vi-VN" smtClean="0"/>
-              <a:t>24/06/2021</a:t>
+              <a:t>25/06/2021</a:t>
             </a:fld>
             <a:endParaRPr lang="vi-VN"/>
           </a:p>
@@ -2925,7 +2930,7 @@
           <a:p>
             <a:fld id="{D625FE98-88AC-4DD8-8BEB-9EA8A013792A}" type="datetimeFigureOut">
               <a:rPr lang="vi-VN" smtClean="0"/>
-              <a:t>24/06/2021</a:t>
+              <a:t>25/06/2021</a:t>
             </a:fld>
             <a:endParaRPr lang="vi-VN"/>
           </a:p>
@@ -3350,12 +3355,41 @@
           <a:chExt cx="0" cy="0"/>
         </a:xfrm>
       </p:grpSpPr>
-      <p:sp>
-        <p:nvSpPr>
-          <p:cNvPr id="8" name="Rectangle 7">
-            <a:extLst>
-              <a:ext uri="{FF2B5EF4-FFF2-40B4-BE49-F238E27FC236}">
-                <a16:creationId xmlns:a16="http://schemas.microsoft.com/office/drawing/2014/main" id="{EFA9B6C6-A247-48A8-9A1C-1E36FA9456B5}"/>
+      <p:pic>
+        <p:nvPicPr>
+          <p:cNvPr id="5" name="Picture 4" descr="Diagram&#10;&#10;Description automatically generated">
+            <a:extLst>
+              <a:ext uri="{FF2B5EF4-FFF2-40B4-BE49-F238E27FC236}">
+                <a16:creationId xmlns:a16="http://schemas.microsoft.com/office/drawing/2014/main" id="{A9405E3E-A723-4632-B587-BE1665CE25D5}"/>
+              </a:ext>
+            </a:extLst>
+          </p:cNvPr>
+          <p:cNvPicPr>
+            <a:picLocks noChangeAspect="1"/>
+          </p:cNvPicPr>
+          <p:nvPr/>
+        </p:nvPicPr>
+        <p:blipFill rotWithShape="1">
+          <a:blip r:embed="rId2"/>
+          <a:srcRect r="2223" b="1"/>
+          <a:stretch/>
+        </p:blipFill>
+        <p:spPr>
+          <a:xfrm>
+            <a:off x="20" y="10"/>
+            <a:ext cx="12191980" cy="6857990"/>
+          </a:xfrm>
+          <a:prstGeom prst="rect">
+            <a:avLst/>
+          </a:prstGeom>
+        </p:spPr>
+      </p:pic>
+      <p:sp>
+        <p:nvSpPr>
+          <p:cNvPr id="21" name="Freeform 5">
+            <a:extLst>
+              <a:ext uri="{FF2B5EF4-FFF2-40B4-BE49-F238E27FC236}">
+                <a16:creationId xmlns:a16="http://schemas.microsoft.com/office/drawing/2014/main" id="{87CC2527-562A-4F69-B487-4371E5B243E7}"/>
               </a:ext>
               <a:ext uri="{C183D7F6-B498-43B3-948B-1728B52AA6E4}">
                 <adec:decorative xmlns:adec="http://schemas.microsoft.com/office/drawing/2017/decorative" val="1"/>
@@ -3373,363 +3407,208 @@
             </p:extLst>
           </p:nvPr>
         </p:nvSpPr>
-        <p:spPr>
+        <p:spPr bwMode="grayWhite">
           <a:xfrm>
-            <a:off x="0" y="0"/>
-            <a:ext cx="12192000" cy="6858000"/>
-          </a:xfrm>
-          <a:prstGeom prst="rect">
-            <a:avLst/>
-          </a:prstGeom>
-          <a:gradFill flip="none" rotWithShape="1">
-            <a:gsLst>
-              <a:gs pos="0">
-                <a:schemeClr val="accent1"/>
-              </a:gs>
-              <a:gs pos="100000">
-                <a:schemeClr val="accent2"/>
-              </a:gs>
-            </a:gsLst>
-            <a:lin ang="2700000" scaled="1"/>
-            <a:tileRect/>
-          </a:gradFill>
-          <a:ln>
-            <a:noFill/>
-          </a:ln>
-        </p:spPr>
-        <p:style>
-          <a:lnRef idx="2">
-            <a:schemeClr val="accent1">
-              <a:shade val="50000"/>
-            </a:schemeClr>
-          </a:lnRef>
-          <a:fillRef idx="1">
-            <a:schemeClr val="accent1"/>
-          </a:fillRef>
-          <a:effectRef idx="0">
-            <a:schemeClr val="accent1"/>
-          </a:effectRef>
-          <a:fontRef idx="minor">
-            <a:schemeClr val="lt1"/>
-          </a:fontRef>
-        </p:style>
-        <p:txBody>
-          <a:bodyPr rtlCol="0" anchor="ctr"/>
-          <a:lstStyle/>
-          <a:p>
-            <a:pPr algn="ctr"/>
-            <a:endParaRPr lang="en-US">
-              <a:solidFill>
-                <a:srgbClr val="FFFFFF"/>
-              </a:solidFill>
-            </a:endParaRPr>
-          </a:p>
-        </p:txBody>
-      </p:sp>
-      <p:sp>
-        <p:nvSpPr>
-          <p:cNvPr id="2" name="Title 1">
-            <a:extLst>
-              <a:ext uri="{FF2B5EF4-FFF2-40B4-BE49-F238E27FC236}">
-                <a16:creationId xmlns:a16="http://schemas.microsoft.com/office/drawing/2014/main" id="{B27116CB-82B7-4F0E-B723-9B59ACA439EA}"/>
-              </a:ext>
-            </a:extLst>
-          </p:cNvPr>
-          <p:cNvSpPr>
-            <a:spLocks noGrp="1"/>
-          </p:cNvSpPr>
-          <p:nvPr>
-            <p:ph type="ctrTitle"/>
-          </p:nvPr>
-        </p:nvSpPr>
-        <p:spPr>
-          <a:xfrm>
-            <a:off x="1301261" y="590062"/>
-            <a:ext cx="5409655" cy="2838938"/>
-          </a:xfrm>
-        </p:spPr>
-        <p:txBody>
-          <a:bodyPr>
-            <a:normAutofit/>
-          </a:bodyPr>
-          <a:lstStyle/>
-          <a:p>
-            <a:pPr algn="l"/>
-            <a:endParaRPr lang="vi-VN" sz="5600">
-              <a:solidFill>
-                <a:srgbClr val="FFFFFF"/>
-              </a:solidFill>
-            </a:endParaRPr>
-          </a:p>
-        </p:txBody>
-      </p:sp>
-      <p:sp>
-        <p:nvSpPr>
-          <p:cNvPr id="3" name="Subtitle 2">
-            <a:extLst>
-              <a:ext uri="{FF2B5EF4-FFF2-40B4-BE49-F238E27FC236}">
-                <a16:creationId xmlns:a16="http://schemas.microsoft.com/office/drawing/2014/main" id="{F742EB37-7A38-4A5F-9B85-D42896222FFE}"/>
-              </a:ext>
-            </a:extLst>
-          </p:cNvPr>
-          <p:cNvSpPr>
-            <a:spLocks noGrp="1"/>
-          </p:cNvSpPr>
-          <p:nvPr>
-            <p:ph type="subTitle" idx="1"/>
-          </p:nvPr>
-        </p:nvSpPr>
-        <p:spPr>
-          <a:xfrm>
-            <a:off x="5642044" y="4698614"/>
-            <a:ext cx="5088650" cy="1198120"/>
-          </a:xfrm>
-        </p:spPr>
-        <p:txBody>
-          <a:bodyPr>
-            <a:normAutofit/>
-          </a:bodyPr>
-          <a:lstStyle/>
-          <a:p>
-            <a:pPr algn="r"/>
-            <a:endParaRPr lang="vi-VN" sz="2000">
-              <a:solidFill>
-                <a:srgbClr val="FFFFFF"/>
-              </a:solidFill>
-            </a:endParaRPr>
-          </a:p>
-        </p:txBody>
-      </p:sp>
-      <p:sp>
-        <p:nvSpPr>
-          <p:cNvPr id="10" name="Graphic 13">
-            <a:extLst>
-              <a:ext uri="{FF2B5EF4-FFF2-40B4-BE49-F238E27FC236}">
-                <a16:creationId xmlns:a16="http://schemas.microsoft.com/office/drawing/2014/main" id="{C5CB530E-515E-412C-9DF1-5F8FFBD6F383}"/>
-              </a:ext>
-              <a:ext uri="{C183D7F6-B498-43B3-948B-1728B52AA6E4}">
-                <adec:decorative xmlns:adec="http://schemas.microsoft.com/office/drawing/2017/decorative" val="1"/>
-              </a:ext>
-            </a:extLst>
-          </p:cNvPr>
-          <p:cNvSpPr>
-            <a:spLocks noGrp="1" noRot="1" noChangeAspect="1" noMove="1" noResize="1" noEditPoints="1" noAdjustHandles="1" noChangeArrowheads="1" noChangeShapeType="1" noTextEdit="1"/>
-          </p:cNvSpPr>
-          <p:nvPr>
-            <p:extLst>
-              <p:ext uri="{386F3935-93C4-4BCD-93E2-E3B085C9AB24}">
-                <p16:designElem xmlns:p16="http://schemas.microsoft.com/office/powerpoint/2015/main" val="1"/>
-              </p:ext>
-            </p:extLst>
-          </p:nvPr>
-        </p:nvSpPr>
-        <p:spPr>
-          <a:xfrm>
-            <a:off x="6817602" y="2744546"/>
-            <a:ext cx="139038" cy="139038"/>
+            <a:off x="7488621" y="2277613"/>
+            <a:ext cx="4703379" cy="4580387"/>
           </a:xfrm>
           <a:custGeom>
             <a:avLst/>
             <a:gdLst>
-              <a:gd name="connsiteX0" fmla="*/ 129601 w 139038"/>
-              <a:gd name="connsiteY0" fmla="*/ 60082 h 139038"/>
-              <a:gd name="connsiteX1" fmla="*/ 78956 w 139038"/>
-              <a:gd name="connsiteY1" fmla="*/ 60082 h 139038"/>
-              <a:gd name="connsiteX2" fmla="*/ 78956 w 139038"/>
-              <a:gd name="connsiteY2" fmla="*/ 9437 h 139038"/>
-              <a:gd name="connsiteX3" fmla="*/ 69519 w 139038"/>
-              <a:gd name="connsiteY3" fmla="*/ 0 h 139038"/>
-              <a:gd name="connsiteX4" fmla="*/ 60082 w 139038"/>
-              <a:gd name="connsiteY4" fmla="*/ 9437 h 139038"/>
-              <a:gd name="connsiteX5" fmla="*/ 60082 w 139038"/>
-              <a:gd name="connsiteY5" fmla="*/ 60082 h 139038"/>
-              <a:gd name="connsiteX6" fmla="*/ 9437 w 139038"/>
-              <a:gd name="connsiteY6" fmla="*/ 60082 h 139038"/>
-              <a:gd name="connsiteX7" fmla="*/ 0 w 139038"/>
-              <a:gd name="connsiteY7" fmla="*/ 69519 h 139038"/>
-              <a:gd name="connsiteX8" fmla="*/ 9437 w 139038"/>
-              <a:gd name="connsiteY8" fmla="*/ 78956 h 139038"/>
-              <a:gd name="connsiteX9" fmla="*/ 60082 w 139038"/>
-              <a:gd name="connsiteY9" fmla="*/ 78956 h 139038"/>
-              <a:gd name="connsiteX10" fmla="*/ 60082 w 139038"/>
-              <a:gd name="connsiteY10" fmla="*/ 129601 h 139038"/>
-              <a:gd name="connsiteX11" fmla="*/ 69519 w 139038"/>
-              <a:gd name="connsiteY11" fmla="*/ 139038 h 139038"/>
-              <a:gd name="connsiteX12" fmla="*/ 78956 w 139038"/>
-              <a:gd name="connsiteY12" fmla="*/ 129601 h 139038"/>
-              <a:gd name="connsiteX13" fmla="*/ 78956 w 139038"/>
-              <a:gd name="connsiteY13" fmla="*/ 78956 h 139038"/>
-              <a:gd name="connsiteX14" fmla="*/ 129601 w 139038"/>
-              <a:gd name="connsiteY14" fmla="*/ 78956 h 139038"/>
-              <a:gd name="connsiteX15" fmla="*/ 139038 w 139038"/>
-              <a:gd name="connsiteY15" fmla="*/ 69519 h 139038"/>
-              <a:gd name="connsiteX16" fmla="*/ 129601 w 139038"/>
-              <a:gd name="connsiteY16" fmla="*/ 60082 h 139038"/>
+              <a:gd name="T0" fmla="*/ 1333 w 1333"/>
+              <a:gd name="T1" fmla="*/ 1031 h 1298"/>
+              <a:gd name="T2" fmla="*/ 1333 w 1333"/>
+              <a:gd name="T3" fmla="*/ 380 h 1298"/>
+              <a:gd name="T4" fmla="*/ 706 w 1333"/>
+              <a:gd name="T5" fmla="*/ 0 h 1298"/>
+              <a:gd name="T6" fmla="*/ 0 w 1333"/>
+              <a:gd name="T7" fmla="*/ 706 h 1298"/>
+              <a:gd name="T8" fmla="*/ 323 w 1333"/>
+              <a:gd name="T9" fmla="*/ 1298 h 1298"/>
+              <a:gd name="T10" fmla="*/ 1090 w 1333"/>
+              <a:gd name="T11" fmla="*/ 1298 h 1298"/>
+              <a:gd name="T12" fmla="*/ 1333 w 1333"/>
+              <a:gd name="T13" fmla="*/ 1031 h 1298"/>
             </a:gdLst>
             <a:ahLst/>
             <a:cxnLst>
               <a:cxn ang="0">
-                <a:pos x="connsiteX0" y="connsiteY0"/>
+                <a:pos x="T0" y="T1"/>
               </a:cxn>
               <a:cxn ang="0">
-                <a:pos x="connsiteX1" y="connsiteY1"/>
+                <a:pos x="T2" y="T3"/>
               </a:cxn>
               <a:cxn ang="0">
-                <a:pos x="connsiteX2" y="connsiteY2"/>
+                <a:pos x="T4" y="T5"/>
               </a:cxn>
               <a:cxn ang="0">
-                <a:pos x="connsiteX3" y="connsiteY3"/>
+                <a:pos x="T6" y="T7"/>
               </a:cxn>
               <a:cxn ang="0">
-                <a:pos x="connsiteX4" y="connsiteY4"/>
+                <a:pos x="T8" y="T9"/>
               </a:cxn>
               <a:cxn ang="0">
-                <a:pos x="connsiteX5" y="connsiteY5"/>
+                <a:pos x="T10" y="T11"/>
               </a:cxn>
               <a:cxn ang="0">
-                <a:pos x="connsiteX6" y="connsiteY6"/>
-              </a:cxn>
-              <a:cxn ang="0">
-                <a:pos x="connsiteX7" y="connsiteY7"/>
-              </a:cxn>
-              <a:cxn ang="0">
-                <a:pos x="connsiteX8" y="connsiteY8"/>
-              </a:cxn>
-              <a:cxn ang="0">
-                <a:pos x="connsiteX9" y="connsiteY9"/>
-              </a:cxn>
-              <a:cxn ang="0">
-                <a:pos x="connsiteX10" y="connsiteY10"/>
-              </a:cxn>
-              <a:cxn ang="0">
-                <a:pos x="connsiteX11" y="connsiteY11"/>
-              </a:cxn>
-              <a:cxn ang="0">
-                <a:pos x="connsiteX12" y="connsiteY12"/>
-              </a:cxn>
-              <a:cxn ang="0">
-                <a:pos x="connsiteX13" y="connsiteY13"/>
-              </a:cxn>
-              <a:cxn ang="0">
-                <a:pos x="connsiteX14" y="connsiteY14"/>
-              </a:cxn>
-              <a:cxn ang="0">
-                <a:pos x="connsiteX15" y="connsiteY15"/>
-              </a:cxn>
-              <a:cxn ang="0">
-                <a:pos x="connsiteX16" y="connsiteY16"/>
+                <a:pos x="T12" y="T13"/>
               </a:cxn>
             </a:cxnLst>
-            <a:rect l="l" t="t" r="r" b="b"/>
+            <a:rect l="0" t="0" r="r" b="b"/>
             <a:pathLst>
-              <a:path w="139038" h="139038">
+              <a:path w="1333" h="1298">
                 <a:moveTo>
-                  <a:pt x="129601" y="60082"/>
+                  <a:pt x="1333" y="1031"/>
                 </a:moveTo>
-                <a:lnTo>
-                  <a:pt x="78956" y="60082"/>
-                </a:lnTo>
-                <a:lnTo>
-                  <a:pt x="78956" y="9437"/>
-                </a:lnTo>
                 <a:cubicBezTo>
-                  <a:pt x="78956" y="4225"/>
-                  <a:pt x="74731" y="0"/>
-                  <a:pt x="69519" y="0"/>
+                  <a:pt x="1333" y="380"/>
+                  <a:pt x="1333" y="380"/>
+                  <a:pt x="1333" y="380"/>
                 </a:cubicBezTo>
                 <a:cubicBezTo>
-                  <a:pt x="64307" y="0"/>
-                  <a:pt x="60082" y="4225"/>
-                  <a:pt x="60082" y="9437"/>
-                </a:cubicBezTo>
-                <a:lnTo>
-                  <a:pt x="60082" y="60082"/>
-                </a:lnTo>
-                <a:lnTo>
-                  <a:pt x="9437" y="60082"/>
-                </a:lnTo>
-                <a:cubicBezTo>
-                  <a:pt x="4225" y="60082"/>
-                  <a:pt x="0" y="64307"/>
-                  <a:pt x="0" y="69519"/>
+                  <a:pt x="1215" y="154"/>
+                  <a:pt x="979" y="0"/>
+                  <a:pt x="706" y="0"/>
                 </a:cubicBezTo>
                 <a:cubicBezTo>
-                  <a:pt x="0" y="74731"/>
-                  <a:pt x="4225" y="78956"/>
-                  <a:pt x="9437" y="78956"/>
-                </a:cubicBezTo>
-                <a:lnTo>
-                  <a:pt x="60082" y="78956"/>
-                </a:lnTo>
-                <a:lnTo>
-                  <a:pt x="60082" y="129601"/>
-                </a:lnTo>
-                <a:cubicBezTo>
-                  <a:pt x="60082" y="134813"/>
-                  <a:pt x="64307" y="139038"/>
-                  <a:pt x="69519" y="139038"/>
+                  <a:pt x="317" y="0"/>
+                  <a:pt x="0" y="316"/>
+                  <a:pt x="0" y="706"/>
                 </a:cubicBezTo>
                 <a:cubicBezTo>
-                  <a:pt x="74731" y="139038"/>
-                  <a:pt x="78956" y="134813"/>
-                  <a:pt x="78956" y="129601"/>
-                </a:cubicBezTo>
-                <a:lnTo>
-                  <a:pt x="78956" y="78956"/>
-                </a:lnTo>
-                <a:lnTo>
-                  <a:pt x="129601" y="78956"/>
-                </a:lnTo>
-                <a:cubicBezTo>
-                  <a:pt x="134813" y="78956"/>
-                  <a:pt x="139038" y="74731"/>
-                  <a:pt x="139038" y="69519"/>
+                  <a:pt x="0" y="954"/>
+                  <a:pt x="129" y="1172"/>
+                  <a:pt x="323" y="1298"/>
                 </a:cubicBezTo>
                 <a:cubicBezTo>
-                  <a:pt x="139038" y="64307"/>
-                  <a:pt x="134813" y="60082"/>
-                  <a:pt x="129601" y="60082"/>
+                  <a:pt x="1090" y="1298"/>
+                  <a:pt x="1090" y="1298"/>
+                  <a:pt x="1090" y="1298"/>
+                </a:cubicBezTo>
+                <a:cubicBezTo>
+                  <a:pt x="1193" y="1232"/>
+                  <a:pt x="1276" y="1140"/>
+                  <a:pt x="1333" y="1031"/>
                 </a:cubicBezTo>
                 <a:close/>
               </a:path>
             </a:pathLst>
           </a:custGeom>
           <a:solidFill>
-            <a:srgbClr val="FFFFFF"/>
+            <a:schemeClr val="bg1">
+              <a:alpha val="70000"/>
+            </a:schemeClr>
           </a:solidFill>
-          <a:ln w="603" cap="flat">
+          <a:ln w="50800" cap="sq" cmpd="dbl">
             <a:noFill/>
-            <a:prstDash val="solid"/>
-            <a:miter/>
+            <a:miter lim="800000"/>
           </a:ln>
+          <a:effectLst/>
         </p:spPr>
         <p:txBody>
-          <a:bodyPr rtlCol="0" anchor="ctr"/>
-          <a:lstStyle/>
-          <a:p>
-            <a:endParaRPr lang="en-US">
-              <a:solidFill>
-                <a:srgbClr val="FFFFFF"/>
-              </a:solidFill>
-            </a:endParaRPr>
-          </a:p>
-        </p:txBody>
-      </p:sp>
-      <p:sp>
-        <p:nvSpPr>
-          <p:cNvPr id="12" name="Graphic 12">
-            <a:extLst>
-              <a:ext uri="{FF2B5EF4-FFF2-40B4-BE49-F238E27FC236}">
-                <a16:creationId xmlns:a16="http://schemas.microsoft.com/office/drawing/2014/main" id="{712D4376-A578-4FF1-94FC-245E7A6A489F}"/>
+          <a:bodyPr vert="horz" lIns="91440" tIns="45720" rIns="91440" bIns="45720" rtlCol="0" anchor="t">
+            <a:normAutofit/>
+          </a:bodyPr>
+          <a:lstStyle/>
+          <a:p>
+            <a:pPr algn="ctr">
+              <a:spcAft>
+                <a:spcPts val="1000"/>
+              </a:spcAft>
+              <a:buClr>
+                <a:schemeClr val="tx1"/>
+              </a:buClr>
+              <a:buSzPct val="100000"/>
+              <a:buFont typeface="Arial"/>
+              <a:buNone/>
+            </a:pPr>
+            <a:endParaRPr lang="en-US" sz="1600" cap="all"/>
+          </a:p>
+        </p:txBody>
+      </p:sp>
+      <p:sp>
+        <p:nvSpPr>
+          <p:cNvPr id="2" name="Title 1">
+            <a:extLst>
+              <a:ext uri="{FF2B5EF4-FFF2-40B4-BE49-F238E27FC236}">
+                <a16:creationId xmlns:a16="http://schemas.microsoft.com/office/drawing/2014/main" id="{B27116CB-82B7-4F0E-B723-9B59ACA439EA}"/>
+              </a:ext>
+            </a:extLst>
+          </p:cNvPr>
+          <p:cNvSpPr>
+            <a:spLocks noGrp="1"/>
+          </p:cNvSpPr>
+          <p:nvPr>
+            <p:ph type="ctrTitle"/>
+          </p:nvPr>
+        </p:nvSpPr>
+        <p:spPr>
+          <a:xfrm>
+            <a:off x="8022021" y="3231931"/>
+            <a:ext cx="3852041" cy="1834056"/>
+          </a:xfrm>
+        </p:spPr>
+        <p:txBody>
+          <a:bodyPr>
+            <a:normAutofit/>
+          </a:bodyPr>
+          <a:lstStyle/>
+          <a:p>
+            <a:r>
+              <a:rPr lang="en-GB" sz="4000"/>
+              <a:t>Architechture</a:t>
+            </a:r>
+            <a:endParaRPr lang="vi-VN" sz="4000"/>
+          </a:p>
+        </p:txBody>
+      </p:sp>
+      <p:sp>
+        <p:nvSpPr>
+          <p:cNvPr id="3" name="Subtitle 2">
+            <a:extLst>
+              <a:ext uri="{FF2B5EF4-FFF2-40B4-BE49-F238E27FC236}">
+                <a16:creationId xmlns:a16="http://schemas.microsoft.com/office/drawing/2014/main" id="{F742EB37-7A38-4A5F-9B85-D42896222FFE}"/>
+              </a:ext>
+            </a:extLst>
+          </p:cNvPr>
+          <p:cNvSpPr>
+            <a:spLocks noGrp="1"/>
+          </p:cNvSpPr>
+          <p:nvPr>
+            <p:ph type="subTitle" idx="1"/>
+          </p:nvPr>
+        </p:nvSpPr>
+        <p:spPr>
+          <a:xfrm>
+            <a:off x="7782910" y="5242675"/>
+            <a:ext cx="4330262" cy="683284"/>
+          </a:xfrm>
+        </p:spPr>
+        <p:txBody>
+          <a:bodyPr>
+            <a:normAutofit/>
+          </a:bodyPr>
+          <a:lstStyle/>
+          <a:p>
+            <a:endParaRPr lang="vi-VN" sz="2000"/>
+          </a:p>
+        </p:txBody>
+      </p:sp>
+      <p:cxnSp>
+        <p:nvCxnSpPr>
+          <p:cNvPr id="23" name="Straight Connector 22">
+            <a:extLst>
+              <a:ext uri="{FF2B5EF4-FFF2-40B4-BE49-F238E27FC236}">
+                <a16:creationId xmlns:a16="http://schemas.microsoft.com/office/drawing/2014/main" id="{BCDAEC91-5BCE-4B55-9CC0-43EF94CB734B}"/>
               </a:ext>
               <a:ext uri="{C183D7F6-B498-43B3-948B-1728B52AA6E4}">
                 <adec:decorative xmlns:adec="http://schemas.microsoft.com/office/drawing/2017/decorative" val="1"/>
               </a:ext>
             </a:extLst>
           </p:cNvPr>
-          <p:cNvSpPr>
-            <a:spLocks noGrp="1" noRot="1" noChangeAspect="1" noMove="1" noResize="1" noEditPoints="1" noAdjustHandles="1" noChangeArrowheads="1" noChangeShapeType="1" noTextEdit="1"/>
-          </p:cNvSpPr>
+          <p:cNvCxnSpPr>
+            <a:cxnSpLocks noGrp="1" noRot="1" noChangeAspect="1" noMove="1" noResize="1" noEditPoints="1" noAdjustHandles="1" noChangeArrowheads="1" noChangeShapeType="1"/>
+          </p:cNvCxnSpPr>
           <p:nvPr>
             <p:extLst>
               <p:ext uri="{386F3935-93C4-4BCD-93E2-E3B085C9AB24}">
@@ -3737,288 +3616,21 @@
               </p:ext>
             </p:extLst>
           </p:nvPr>
-        </p:nvSpPr>
-        <p:spPr>
-          <a:xfrm>
-            <a:off x="7176380" y="2973840"/>
-            <a:ext cx="91138" cy="91138"/>
-          </a:xfrm>
-          <a:custGeom>
-            <a:avLst/>
-            <a:gdLst>
-              <a:gd name="connsiteX0" fmla="*/ 91138 w 91138"/>
-              <a:gd name="connsiteY0" fmla="*/ 45569 h 91138"/>
-              <a:gd name="connsiteX1" fmla="*/ 45569 w 91138"/>
-              <a:gd name="connsiteY1" fmla="*/ 91138 h 91138"/>
-              <a:gd name="connsiteX2" fmla="*/ 0 w 91138"/>
-              <a:gd name="connsiteY2" fmla="*/ 45569 h 91138"/>
-              <a:gd name="connsiteX3" fmla="*/ 45569 w 91138"/>
-              <a:gd name="connsiteY3" fmla="*/ 0 h 91138"/>
-              <a:gd name="connsiteX4" fmla="*/ 91138 w 91138"/>
-              <a:gd name="connsiteY4" fmla="*/ 45569 h 91138"/>
-            </a:gdLst>
-            <a:ahLst/>
-            <a:cxnLst>
-              <a:cxn ang="0">
-                <a:pos x="connsiteX0" y="connsiteY0"/>
-              </a:cxn>
-              <a:cxn ang="0">
-                <a:pos x="connsiteX1" y="connsiteY1"/>
-              </a:cxn>
-              <a:cxn ang="0">
-                <a:pos x="connsiteX2" y="connsiteY2"/>
-              </a:cxn>
-              <a:cxn ang="0">
-                <a:pos x="connsiteX3" y="connsiteY3"/>
-              </a:cxn>
-              <a:cxn ang="0">
-                <a:pos x="connsiteX4" y="connsiteY4"/>
-              </a:cxn>
-            </a:cxnLst>
-            <a:rect l="l" t="t" r="r" b="b"/>
-            <a:pathLst>
-              <a:path w="91138" h="91138">
-                <a:moveTo>
-                  <a:pt x="91138" y="45569"/>
-                </a:moveTo>
-                <a:cubicBezTo>
-                  <a:pt x="91138" y="70736"/>
-                  <a:pt x="70736" y="91138"/>
-                  <a:pt x="45569" y="91138"/>
-                </a:cubicBezTo>
-                <a:cubicBezTo>
-                  <a:pt x="20402" y="91138"/>
-                  <a:pt x="0" y="70736"/>
-                  <a:pt x="0" y="45569"/>
-                </a:cubicBezTo>
-                <a:cubicBezTo>
-                  <a:pt x="0" y="20402"/>
-                  <a:pt x="20402" y="0"/>
-                  <a:pt x="45569" y="0"/>
-                </a:cubicBezTo>
-                <a:cubicBezTo>
-                  <a:pt x="70736" y="0"/>
-                  <a:pt x="91138" y="20402"/>
-                  <a:pt x="91138" y="45569"/>
-                </a:cubicBezTo>
-                <a:close/>
-              </a:path>
-            </a:pathLst>
-          </a:custGeom>
-          <a:solidFill>
-            <a:srgbClr val="FFFFFF"/>
-          </a:solidFill>
-          <a:ln w="422" cap="flat">
-            <a:noFill/>
-            <a:prstDash val="solid"/>
-            <a:miter/>
-          </a:ln>
-        </p:spPr>
-        <p:txBody>
-          <a:bodyPr rtlCol="0" anchor="ctr"/>
-          <a:lstStyle/>
-          <a:p>
-            <a:endParaRPr lang="en-US">
-              <a:solidFill>
-                <a:srgbClr val="FFFFFF"/>
-              </a:solidFill>
-            </a:endParaRPr>
-          </a:p>
-        </p:txBody>
-      </p:sp>
-      <p:sp>
-        <p:nvSpPr>
-          <p:cNvPr id="14" name="Graphic 15">
-            <a:extLst>
-              <a:ext uri="{FF2B5EF4-FFF2-40B4-BE49-F238E27FC236}">
-                <a16:creationId xmlns:a16="http://schemas.microsoft.com/office/drawing/2014/main" id="{AEA7509D-F04F-40CB-A0B3-EEF16499CC9F}"/>
-              </a:ext>
-              <a:ext uri="{C183D7F6-B498-43B3-948B-1728B52AA6E4}">
-                <adec:decorative xmlns:adec="http://schemas.microsoft.com/office/drawing/2017/decorative" val="1"/>
-              </a:ext>
-            </a:extLst>
-          </p:cNvPr>
-          <p:cNvSpPr>
-            <a:spLocks noGrp="1" noRot="1" noChangeAspect="1" noMove="1" noResize="1" noEditPoints="1" noAdjustHandles="1" noChangeArrowheads="1" noChangeShapeType="1" noTextEdit="1"/>
-          </p:cNvSpPr>
-          <p:nvPr>
-            <p:extLst>
-              <p:ext uri="{386F3935-93C4-4BCD-93E2-E3B085C9AB24}">
-                <p16:designElem xmlns:p16="http://schemas.microsoft.com/office/powerpoint/2015/main" val="1"/>
-              </p:ext>
-            </p:extLst>
-          </p:nvPr>
-        </p:nvSpPr>
-        <p:spPr>
-          <a:xfrm>
-            <a:off x="6802062" y="3198265"/>
-            <a:ext cx="127713" cy="127713"/>
-          </a:xfrm>
-          <a:custGeom>
-            <a:avLst/>
-            <a:gdLst>
-              <a:gd name="connsiteX0" fmla="*/ 63857 w 127713"/>
-              <a:gd name="connsiteY0" fmla="*/ 18874 h 127713"/>
-              <a:gd name="connsiteX1" fmla="*/ 108839 w 127713"/>
-              <a:gd name="connsiteY1" fmla="*/ 63857 h 127713"/>
-              <a:gd name="connsiteX2" fmla="*/ 63857 w 127713"/>
-              <a:gd name="connsiteY2" fmla="*/ 108839 h 127713"/>
-              <a:gd name="connsiteX3" fmla="*/ 18874 w 127713"/>
-              <a:gd name="connsiteY3" fmla="*/ 63857 h 127713"/>
-              <a:gd name="connsiteX4" fmla="*/ 63857 w 127713"/>
-              <a:gd name="connsiteY4" fmla="*/ 18874 h 127713"/>
-              <a:gd name="connsiteX5" fmla="*/ 63857 w 127713"/>
-              <a:gd name="connsiteY5" fmla="*/ 0 h 127713"/>
-              <a:gd name="connsiteX6" fmla="*/ 0 w 127713"/>
-              <a:gd name="connsiteY6" fmla="*/ 63857 h 127713"/>
-              <a:gd name="connsiteX7" fmla="*/ 63857 w 127713"/>
-              <a:gd name="connsiteY7" fmla="*/ 127713 h 127713"/>
-              <a:gd name="connsiteX8" fmla="*/ 127713 w 127713"/>
-              <a:gd name="connsiteY8" fmla="*/ 63857 h 127713"/>
-              <a:gd name="connsiteX9" fmla="*/ 63857 w 127713"/>
-              <a:gd name="connsiteY9" fmla="*/ 0 h 127713"/>
-            </a:gdLst>
-            <a:ahLst/>
-            <a:cxnLst>
-              <a:cxn ang="0">
-                <a:pos x="connsiteX0" y="connsiteY0"/>
-              </a:cxn>
-              <a:cxn ang="0">
-                <a:pos x="connsiteX1" y="connsiteY1"/>
-              </a:cxn>
-              <a:cxn ang="0">
-                <a:pos x="connsiteX2" y="connsiteY2"/>
-              </a:cxn>
-              <a:cxn ang="0">
-                <a:pos x="connsiteX3" y="connsiteY3"/>
-              </a:cxn>
-              <a:cxn ang="0">
-                <a:pos x="connsiteX4" y="connsiteY4"/>
-              </a:cxn>
-              <a:cxn ang="0">
-                <a:pos x="connsiteX5" y="connsiteY5"/>
-              </a:cxn>
-              <a:cxn ang="0">
-                <a:pos x="connsiteX6" y="connsiteY6"/>
-              </a:cxn>
-              <a:cxn ang="0">
-                <a:pos x="connsiteX7" y="connsiteY7"/>
-              </a:cxn>
-              <a:cxn ang="0">
-                <a:pos x="connsiteX8" y="connsiteY8"/>
-              </a:cxn>
-              <a:cxn ang="0">
-                <a:pos x="connsiteX9" y="connsiteY9"/>
-              </a:cxn>
-            </a:cxnLst>
-            <a:rect l="l" t="t" r="r" b="b"/>
-            <a:pathLst>
-              <a:path w="127713" h="127713">
-                <a:moveTo>
-                  <a:pt x="63857" y="18874"/>
-                </a:moveTo>
-                <a:cubicBezTo>
-                  <a:pt x="88700" y="18874"/>
-                  <a:pt x="108839" y="39013"/>
-                  <a:pt x="108839" y="63857"/>
-                </a:cubicBezTo>
-                <a:cubicBezTo>
-                  <a:pt x="108839" y="88700"/>
-                  <a:pt x="88700" y="108839"/>
-                  <a:pt x="63857" y="108839"/>
-                </a:cubicBezTo>
-                <a:cubicBezTo>
-                  <a:pt x="39013" y="108839"/>
-                  <a:pt x="18874" y="88700"/>
-                  <a:pt x="18874" y="63857"/>
-                </a:cubicBezTo>
-                <a:cubicBezTo>
-                  <a:pt x="18898" y="39023"/>
-                  <a:pt x="39023" y="18898"/>
-                  <a:pt x="63857" y="18874"/>
-                </a:cubicBezTo>
-                <a:moveTo>
-                  <a:pt x="63857" y="0"/>
-                </a:moveTo>
-                <a:cubicBezTo>
-                  <a:pt x="28590" y="0"/>
-                  <a:pt x="0" y="28590"/>
-                  <a:pt x="0" y="63857"/>
-                </a:cubicBezTo>
-                <a:cubicBezTo>
-                  <a:pt x="0" y="99124"/>
-                  <a:pt x="28590" y="127713"/>
-                  <a:pt x="63857" y="127713"/>
-                </a:cubicBezTo>
-                <a:cubicBezTo>
-                  <a:pt x="99124" y="127713"/>
-                  <a:pt x="127713" y="99124"/>
-                  <a:pt x="127713" y="63857"/>
-                </a:cubicBezTo>
-                <a:cubicBezTo>
-                  <a:pt x="127713" y="28590"/>
-                  <a:pt x="99124" y="0"/>
-                  <a:pt x="63857" y="0"/>
-                </a:cubicBezTo>
-                <a:close/>
-              </a:path>
-            </a:pathLst>
-          </a:custGeom>
-          <a:solidFill>
-            <a:srgbClr val="FFFFFF"/>
-          </a:solidFill>
-          <a:ln w="610" cap="flat">
-            <a:noFill/>
-            <a:prstDash val="solid"/>
-            <a:miter/>
-          </a:ln>
-        </p:spPr>
-        <p:txBody>
-          <a:bodyPr rtlCol="0" anchor="ctr"/>
-          <a:lstStyle/>
-          <a:p>
-            <a:endParaRPr lang="en-US">
-              <a:solidFill>
-                <a:srgbClr val="FFFFFF"/>
-              </a:solidFill>
-            </a:endParaRPr>
-          </a:p>
-        </p:txBody>
-      </p:sp>
-      <p:cxnSp>
-        <p:nvCxnSpPr>
-          <p:cNvPr id="16" name="Straight Connector 15">
-            <a:extLst>
-              <a:ext uri="{FF2B5EF4-FFF2-40B4-BE49-F238E27FC236}">
-                <a16:creationId xmlns:a16="http://schemas.microsoft.com/office/drawing/2014/main" id="{56020367-4FD5-4596-8E10-C5F095CD8DBF}"/>
-              </a:ext>
-              <a:ext uri="{C183D7F6-B498-43B3-948B-1728B52AA6E4}">
-                <adec:decorative xmlns:adec="http://schemas.microsoft.com/office/drawing/2017/decorative" val="1"/>
-              </a:ext>
-            </a:extLst>
-          </p:cNvPr>
-          <p:cNvCxnSpPr>
-            <a:cxnSpLocks noGrp="1" noRot="1" noChangeAspect="1" noMove="1" noResize="1" noEditPoints="1" noAdjustHandles="1" noChangeArrowheads="1" noChangeShapeType="1"/>
-          </p:cNvCxnSpPr>
-          <p:nvPr>
-            <p:extLst>
-              <p:ext uri="{386F3935-93C4-4BCD-93E2-E3B085C9AB24}">
-                <p16:designElem xmlns:p16="http://schemas.microsoft.com/office/powerpoint/2015/main" val="1"/>
-              </p:ext>
-            </p:extLst>
-          </p:nvPr>
         </p:nvCxnSpPr>
         <p:spPr>
           <a:xfrm>
-            <a:off x="1301262" y="3496322"/>
-            <a:ext cx="0" cy="3352800"/>
+            <a:off x="9480331" y="5123793"/>
+            <a:ext cx="935420" cy="0"/>
           </a:xfrm>
           <a:prstGeom prst="line">
             <a:avLst/>
           </a:prstGeom>
           <a:ln w="25400" cap="sq">
             <a:solidFill>
-              <a:srgbClr val="FFFFFF"/>
+              <a:schemeClr val="tx1">
+                <a:lumMod val="85000"/>
+                <a:lumOff val="15000"/>
+              </a:schemeClr>
             </a:solidFill>
             <a:bevel/>
           </a:ln>
@@ -4048,6 +3660,98 @@
   <p:clrMapOvr>
     <a:masterClrMapping/>
   </p:clrMapOvr>
+  <p:timing>
+    <p:tnLst>
+      <p:par>
+        <p:cTn id="1" dur="indefinite" restart="never" nodeType="tmRoot">
+          <p:childTnLst>
+            <p:seq concurrent="1" nextAc="seek">
+              <p:cTn id="2" dur="indefinite" nodeType="mainSeq">
+                <p:childTnLst>
+                  <p:par>
+                    <p:cTn id="3" fill="hold">
+                      <p:stCondLst>
+                        <p:cond delay="indefinite"/>
+                        <p:cond evt="onBegin" delay="0">
+                          <p:tn val="2"/>
+                        </p:cond>
+                      </p:stCondLst>
+                      <p:childTnLst>
+                        <p:par>
+                          <p:cTn id="4" fill="hold">
+                            <p:stCondLst>
+                              <p:cond delay="0"/>
+                            </p:stCondLst>
+                            <p:childTnLst>
+                              <p:par>
+                                <p:cTn id="5" presetID="10" presetClass="entr" presetSubtype="0" fill="hold" grpId="0" nodeType="withEffect">
+                                  <p:stCondLst>
+                                    <p:cond delay="1000"/>
+                                  </p:stCondLst>
+                                  <p:iterate>
+                                    <p:tmPct val="10000"/>
+                                  </p:iterate>
+                                  <p:childTnLst>
+                                    <p:set>
+                                      <p:cBhvr>
+                                        <p:cTn id="6" dur="1" fill="hold">
+                                          <p:stCondLst>
+                                            <p:cond delay="0"/>
+                                          </p:stCondLst>
+                                        </p:cTn>
+                                        <p:tgtEl>
+                                          <p:spTgt spid="2"/>
+                                        </p:tgtEl>
+                                        <p:attrNameLst>
+                                          <p:attrName>style.visibility</p:attrName>
+                                        </p:attrNameLst>
+                                      </p:cBhvr>
+                                      <p:to>
+                                        <p:strVal val="visible"/>
+                                      </p:to>
+                                    </p:set>
+                                    <p:animEffect transition="in" filter="fade">
+                                      <p:cBhvr>
+                                        <p:cTn id="7" dur="700"/>
+                                        <p:tgtEl>
+                                          <p:spTgt spid="2"/>
+                                        </p:tgtEl>
+                                      </p:cBhvr>
+                                    </p:animEffect>
+                                  </p:childTnLst>
+                                </p:cTn>
+                              </p:par>
+                            </p:childTnLst>
+                          </p:cTn>
+                        </p:par>
+                      </p:childTnLst>
+                    </p:cTn>
+                  </p:par>
+                </p:childTnLst>
+              </p:cTn>
+              <p:prevCondLst>
+                <p:cond evt="onPrev" delay="0">
+                  <p:tgtEl>
+                    <p:sldTgt/>
+                  </p:tgtEl>
+                </p:cond>
+              </p:prevCondLst>
+              <p:nextCondLst>
+                <p:cond evt="onNext" delay="0">
+                  <p:tgtEl>
+                    <p:sldTgt/>
+                  </p:tgtEl>
+                </p:cond>
+              </p:nextCondLst>
+            </p:seq>
+          </p:childTnLst>
+        </p:cTn>
+      </p:par>
+    </p:tnLst>
+    <p:bldLst>
+      <p:bldP spid="2" grpId="0"/>
+    </p:bldLst>
+  </p:timing>
 </p:sld>
 </file>
 
